--- a/ODM-SDF.pptx
+++ b/ODM-SDF.pptx
@@ -14,6 +14,9 @@
     <p:sldId id="262" r:id="rId8"/>
     <p:sldId id="264" r:id="rId9"/>
     <p:sldId id="265" r:id="rId10"/>
+    <p:sldId id="266" r:id="rId11"/>
+    <p:sldId id="267" r:id="rId12"/>
+    <p:sldId id="268" r:id="rId13"/>
   </p:sldIdLst>
   <p:sldSz cx="9144000" cy="6858000" type="letter"/>
   <p:notesSz cx="6858000" cy="9144000"/>
@@ -112,6 +115,11 @@
       </a:defRPr>
     </a:lvl9pPr>
   </p:defaultTextStyle>
+  <p:extLst>
+    <p:ext uri="{EFAFB233-063F-42B5-8137-9DF3F51BA10A}">
+      <p15:sldGuideLst xmlns:p15="http://schemas.microsoft.com/office/powerpoint/2012/main"/>
+    </p:ext>
+  </p:extLst>
 </p:presentation>
 </file>
 
@@ -246,7 +254,7 @@
           <a:p>
             <a:fld id="{FAD9FDEC-58D2-A243-A58A-A2FAAE8B11EB}" type="datetimeFigureOut">
               <a:rPr lang="en-US" smtClean="0"/>
-              <a:t>4/4/19</a:t>
+              <a:t>4/9/19</a:t>
             </a:fld>
             <a:endParaRPr lang="en-US"/>
           </a:p>
@@ -411,7 +419,7 @@
           <a:p>
             <a:fld id="{FAD9FDEC-58D2-A243-A58A-A2FAAE8B11EB}" type="datetimeFigureOut">
               <a:rPr lang="en-US" smtClean="0"/>
-              <a:t>4/4/19</a:t>
+              <a:t>4/9/19</a:t>
             </a:fld>
             <a:endParaRPr lang="en-US"/>
           </a:p>
@@ -586,7 +594,7 @@
           <a:p>
             <a:fld id="{FAD9FDEC-58D2-A243-A58A-A2FAAE8B11EB}" type="datetimeFigureOut">
               <a:rPr lang="en-US" smtClean="0"/>
-              <a:t>4/4/19</a:t>
+              <a:t>4/9/19</a:t>
             </a:fld>
             <a:endParaRPr lang="en-US"/>
           </a:p>
@@ -751,7 +759,7 @@
           <a:p>
             <a:fld id="{FAD9FDEC-58D2-A243-A58A-A2FAAE8B11EB}" type="datetimeFigureOut">
               <a:rPr lang="en-US" smtClean="0"/>
-              <a:t>4/4/19</a:t>
+              <a:t>4/9/19</a:t>
             </a:fld>
             <a:endParaRPr lang="en-US"/>
           </a:p>
@@ -990,7 +998,7 @@
           <a:p>
             <a:fld id="{FAD9FDEC-58D2-A243-A58A-A2FAAE8B11EB}" type="datetimeFigureOut">
               <a:rPr lang="en-US" smtClean="0"/>
-              <a:t>4/4/19</a:t>
+              <a:t>4/9/19</a:t>
             </a:fld>
             <a:endParaRPr lang="en-US"/>
           </a:p>
@@ -1217,7 +1225,7 @@
           <a:p>
             <a:fld id="{FAD9FDEC-58D2-A243-A58A-A2FAAE8B11EB}" type="datetimeFigureOut">
               <a:rPr lang="en-US" smtClean="0"/>
-              <a:t>4/4/19</a:t>
+              <a:t>4/9/19</a:t>
             </a:fld>
             <a:endParaRPr lang="en-US"/>
           </a:p>
@@ -1579,7 +1587,7 @@
           <a:p>
             <a:fld id="{FAD9FDEC-58D2-A243-A58A-A2FAAE8B11EB}" type="datetimeFigureOut">
               <a:rPr lang="en-US" smtClean="0"/>
-              <a:t>4/4/19</a:t>
+              <a:t>4/9/19</a:t>
             </a:fld>
             <a:endParaRPr lang="en-US"/>
           </a:p>
@@ -1692,7 +1700,7 @@
           <a:p>
             <a:fld id="{FAD9FDEC-58D2-A243-A58A-A2FAAE8B11EB}" type="datetimeFigureOut">
               <a:rPr lang="en-US" smtClean="0"/>
-              <a:t>4/4/19</a:t>
+              <a:t>4/9/19</a:t>
             </a:fld>
             <a:endParaRPr lang="en-US"/>
           </a:p>
@@ -1782,7 +1790,7 @@
           <a:p>
             <a:fld id="{FAD9FDEC-58D2-A243-A58A-A2FAAE8B11EB}" type="datetimeFigureOut">
               <a:rPr lang="en-US" smtClean="0"/>
-              <a:t>4/4/19</a:t>
+              <a:t>4/9/19</a:t>
             </a:fld>
             <a:endParaRPr lang="en-US"/>
           </a:p>
@@ -2054,7 +2062,7 @@
           <a:p>
             <a:fld id="{FAD9FDEC-58D2-A243-A58A-A2FAAE8B11EB}" type="datetimeFigureOut">
               <a:rPr lang="en-US" smtClean="0"/>
-              <a:t>4/4/19</a:t>
+              <a:t>4/9/19</a:t>
             </a:fld>
             <a:endParaRPr lang="en-US"/>
           </a:p>
@@ -2306,7 +2314,7 @@
           <a:p>
             <a:fld id="{FAD9FDEC-58D2-A243-A58A-A2FAAE8B11EB}" type="datetimeFigureOut">
               <a:rPr lang="en-US" smtClean="0"/>
-              <a:t>4/4/19</a:t>
+              <a:t>4/9/19</a:t>
             </a:fld>
             <a:endParaRPr lang="en-US"/>
           </a:p>
@@ -2514,7 +2522,7 @@
           <a:p>
             <a:fld id="{FAD9FDEC-58D2-A243-A58A-A2FAAE8B11EB}" type="datetimeFigureOut">
               <a:rPr lang="en-US" smtClean="0"/>
-              <a:t>4/4/19</a:t>
+              <a:t>4/9/19</a:t>
             </a:fld>
             <a:endParaRPr lang="en-US"/>
           </a:p>
@@ -2994,6 +3002,789 @@
 </p:sld>
 </file>
 
+<file path=ppt/slides/slide10.xml><?xml version="1.0" encoding="utf-8"?>
+<p:sld xmlns:a="http://schemas.openxmlformats.org/drawingml/2006/main" xmlns:r="http://schemas.openxmlformats.org/officeDocument/2006/relationships" xmlns:p="http://schemas.openxmlformats.org/presentationml/2006/main">
+  <p:cSld>
+    <p:spTree>
+      <p:nvGrpSpPr>
+        <p:cNvPr id="1" name=""/>
+        <p:cNvGrpSpPr/>
+        <p:nvPr/>
+      </p:nvGrpSpPr>
+      <p:grpSpPr>
+        <a:xfrm>
+          <a:off x="0" y="0"/>
+          <a:ext cx="0" cy="0"/>
+          <a:chOff x="0" y="0"/>
+          <a:chExt cx="0" cy="0"/>
+        </a:xfrm>
+      </p:grpSpPr>
+      <p:sp>
+        <p:nvSpPr>
+          <p:cNvPr id="2" name="Title 1"/>
+          <p:cNvSpPr>
+            <a:spLocks noGrp="1"/>
+          </p:cNvSpPr>
+          <p:nvPr>
+            <p:ph type="title"/>
+          </p:nvPr>
+        </p:nvSpPr>
+        <p:spPr/>
+        <p:txBody>
+          <a:bodyPr/>
+          <a:lstStyle/>
+          <a:p>
+            <a:r>
+              <a:rPr lang="en-US" dirty="0" smtClean="0"/>
+              <a:t>Alternate Syntax</a:t>
+            </a:r>
+            <a:endParaRPr lang="en-US" dirty="0"/>
+          </a:p>
+        </p:txBody>
+      </p:sp>
+      <p:sp>
+        <p:nvSpPr>
+          <p:cNvPr id="3" name="Content Placeholder 2"/>
+          <p:cNvSpPr>
+            <a:spLocks noGrp="1"/>
+          </p:cNvSpPr>
+          <p:nvPr>
+            <p:ph idx="1"/>
+          </p:nvPr>
+        </p:nvSpPr>
+        <p:spPr/>
+        <p:txBody>
+          <a:bodyPr/>
+          <a:lstStyle/>
+          <a:p>
+            <a:r>
+              <a:rPr lang="en-US" dirty="0" smtClean="0"/>
+              <a:t>Simpler for developers?</a:t>
+            </a:r>
+          </a:p>
+          <a:p>
+            <a:r>
+              <a:rPr lang="en-US" dirty="0" smtClean="0"/>
+              <a:t>Easier to process?</a:t>
+            </a:r>
+          </a:p>
+          <a:p>
+            <a:r>
+              <a:rPr lang="en-US" dirty="0" smtClean="0"/>
+              <a:t>Process using JSON Schema?</a:t>
+            </a:r>
+            <a:endParaRPr lang="en-US" dirty="0"/>
+          </a:p>
+        </p:txBody>
+      </p:sp>
+    </p:spTree>
+    <p:extLst>
+      <p:ext uri="{BB962C8B-B14F-4D97-AF65-F5344CB8AC3E}">
+        <p14:creationId xmlns:p14="http://schemas.microsoft.com/office/powerpoint/2010/main" val="1943155276"/>
+      </p:ext>
+    </p:extLst>
+  </p:cSld>
+  <p:clrMapOvr>
+    <a:masterClrMapping/>
+  </p:clrMapOvr>
+</p:sld>
+</file>
+
+<file path=ppt/slides/slide11.xml><?xml version="1.0" encoding="utf-8"?>
+<p:sld xmlns:a="http://schemas.openxmlformats.org/drawingml/2006/main" xmlns:r="http://schemas.openxmlformats.org/officeDocument/2006/relationships" xmlns:p="http://schemas.openxmlformats.org/presentationml/2006/main">
+  <p:cSld>
+    <p:spTree>
+      <p:nvGrpSpPr>
+        <p:cNvPr id="1" name=""/>
+        <p:cNvGrpSpPr/>
+        <p:nvPr/>
+      </p:nvGrpSpPr>
+      <p:grpSpPr>
+        <a:xfrm>
+          <a:off x="0" y="0"/>
+          <a:ext cx="0" cy="0"/>
+          <a:chOff x="0" y="0"/>
+          <a:chExt cx="0" cy="0"/>
+        </a:xfrm>
+      </p:grpSpPr>
+      <p:sp>
+        <p:nvSpPr>
+          <p:cNvPr id="2" name="Title 1"/>
+          <p:cNvSpPr>
+            <a:spLocks noGrp="1"/>
+          </p:cNvSpPr>
+          <p:nvPr>
+            <p:ph type="title"/>
+          </p:nvPr>
+        </p:nvSpPr>
+        <p:spPr/>
+        <p:txBody>
+          <a:bodyPr/>
+          <a:lstStyle/>
+          <a:p>
+            <a:r>
+              <a:rPr lang="en-US" dirty="0" smtClean="0"/>
+              <a:t>Alternate Syntax #2 </a:t>
+            </a:r>
+            <a:endParaRPr lang="en-US" dirty="0"/>
+          </a:p>
+        </p:txBody>
+      </p:sp>
+      <p:sp>
+        <p:nvSpPr>
+          <p:cNvPr id="4" name="Rectangle 3"/>
+          <p:cNvSpPr/>
+          <p:nvPr/>
+        </p:nvSpPr>
+        <p:spPr>
+          <a:xfrm>
+            <a:off x="1157844" y="1421195"/>
+            <a:ext cx="7986156" cy="4801314"/>
+          </a:xfrm>
+          <a:prstGeom prst="rect">
+            <a:avLst/>
+          </a:prstGeom>
+        </p:spPr>
+        <p:txBody>
+          <a:bodyPr wrap="square">
+            <a:spAutoFit/>
+          </a:bodyPr>
+          <a:lstStyle/>
+          <a:p>
+            <a:r>
+              <a:rPr lang="en-US" dirty="0">
+                <a:latin typeface="Menlo" charset="0"/>
+              </a:rPr>
+              <a:t>{</a:t>
+            </a:r>
+          </a:p>
+          <a:p>
+            <a:r>
+              <a:rPr lang="en-US" dirty="0" smtClean="0">
+                <a:latin typeface="Menlo" charset="0"/>
+              </a:rPr>
+              <a:t>  "</a:t>
+            </a:r>
+            <a:r>
+              <a:rPr lang="en-US" dirty="0">
+                <a:latin typeface="Menlo" charset="0"/>
+              </a:rPr>
+              <a:t>object": {</a:t>
+            </a:r>
+          </a:p>
+          <a:p>
+            <a:r>
+              <a:rPr lang="en-US" dirty="0" smtClean="0">
+                <a:latin typeface="Menlo" charset="0"/>
+              </a:rPr>
+              <a:t>    "</a:t>
+            </a:r>
+            <a:r>
+              <a:rPr lang="en-US" dirty="0" err="1">
+                <a:latin typeface="Menlo" charset="0"/>
+              </a:rPr>
+              <a:t>st:Switch</a:t>
+            </a:r>
+            <a:r>
+              <a:rPr lang="en-US" dirty="0">
+                <a:latin typeface="Menlo" charset="0"/>
+              </a:rPr>
+              <a:t>": {}</a:t>
+            </a:r>
+          </a:p>
+          <a:p>
+            <a:r>
+              <a:rPr lang="en-US" dirty="0" smtClean="0">
+                <a:latin typeface="Menlo" charset="0"/>
+              </a:rPr>
+              <a:t>  },</a:t>
+            </a:r>
+            <a:endParaRPr lang="en-US" dirty="0">
+              <a:latin typeface="Menlo" charset="0"/>
+            </a:endParaRPr>
+          </a:p>
+          <a:p>
+            <a:r>
+              <a:rPr lang="en-US" dirty="0" smtClean="0">
+                <a:latin typeface="Menlo" charset="0"/>
+              </a:rPr>
+              <a:t>  "</a:t>
+            </a:r>
+            <a:r>
+              <a:rPr lang="en-US" dirty="0">
+                <a:latin typeface="Menlo" charset="0"/>
+              </a:rPr>
+              <a:t>property": {</a:t>
+            </a:r>
+          </a:p>
+          <a:p>
+            <a:r>
+              <a:rPr lang="en-US" dirty="0" smtClean="0">
+                <a:latin typeface="Menlo" charset="0"/>
+              </a:rPr>
+              <a:t>    "</a:t>
+            </a:r>
+            <a:r>
+              <a:rPr lang="en-US" dirty="0" err="1">
+                <a:latin typeface="Menlo" charset="0"/>
+              </a:rPr>
+              <a:t>st:Switch.value</a:t>
+            </a:r>
+            <a:r>
+              <a:rPr lang="en-US" dirty="0">
+                <a:latin typeface="Menlo" charset="0"/>
+              </a:rPr>
+              <a:t>": {</a:t>
+            </a:r>
+          </a:p>
+          <a:p>
+            <a:r>
+              <a:rPr lang="en-US" dirty="0" smtClean="0">
+                <a:latin typeface="Menlo" charset="0"/>
+              </a:rPr>
+              <a:t>      "</a:t>
+            </a:r>
+            <a:r>
+              <a:rPr lang="en-US" dirty="0" err="1">
+                <a:latin typeface="Menlo" charset="0"/>
+              </a:rPr>
+              <a:t>js:type</a:t>
+            </a:r>
+            <a:r>
+              <a:rPr lang="en-US" dirty="0">
+                <a:latin typeface="Menlo" charset="0"/>
+              </a:rPr>
+              <a:t>": "string",</a:t>
+            </a:r>
+          </a:p>
+          <a:p>
+            <a:r>
+              <a:rPr lang="en-US" dirty="0" smtClean="0">
+                <a:latin typeface="Menlo" charset="0"/>
+              </a:rPr>
+              <a:t>      "</a:t>
+            </a:r>
+            <a:r>
+              <a:rPr lang="en-US" dirty="0" err="1">
+                <a:latin typeface="Menlo" charset="0"/>
+              </a:rPr>
+              <a:t>js:enum</a:t>
+            </a:r>
+            <a:r>
+              <a:rPr lang="en-US" dirty="0">
+                <a:latin typeface="Menlo" charset="0"/>
+              </a:rPr>
+              <a:t>": ["on", "off"]</a:t>
+            </a:r>
+          </a:p>
+          <a:p>
+            <a:r>
+              <a:rPr lang="en-US" dirty="0" smtClean="0">
+                <a:latin typeface="Menlo" charset="0"/>
+              </a:rPr>
+              <a:t>    }</a:t>
+            </a:r>
+            <a:endParaRPr lang="en-US" dirty="0">
+              <a:latin typeface="Menlo" charset="0"/>
+            </a:endParaRPr>
+          </a:p>
+          <a:p>
+            <a:r>
+              <a:rPr lang="en-US" dirty="0" smtClean="0">
+                <a:latin typeface="Menlo" charset="0"/>
+              </a:rPr>
+              <a:t>  },</a:t>
+            </a:r>
+            <a:endParaRPr lang="en-US" dirty="0">
+              <a:latin typeface="Menlo" charset="0"/>
+            </a:endParaRPr>
+          </a:p>
+          <a:p>
+            <a:r>
+              <a:rPr lang="en-US" dirty="0" smtClean="0">
+                <a:latin typeface="Menlo" charset="0"/>
+              </a:rPr>
+              <a:t>  "</a:t>
+            </a:r>
+            <a:r>
+              <a:rPr lang="en-US" dirty="0">
+                <a:latin typeface="Menlo" charset="0"/>
+              </a:rPr>
+              <a:t>action": {</a:t>
+            </a:r>
+          </a:p>
+          <a:p>
+            <a:r>
+              <a:rPr lang="en-US" dirty="0" smtClean="0">
+                <a:latin typeface="Menlo" charset="0"/>
+              </a:rPr>
+              <a:t>    "</a:t>
+            </a:r>
+            <a:r>
+              <a:rPr lang="en-US" dirty="0" err="1">
+                <a:latin typeface="Menlo" charset="0"/>
+              </a:rPr>
+              <a:t>st:Switch.on</a:t>
+            </a:r>
+            <a:r>
+              <a:rPr lang="en-US" dirty="0">
+                <a:latin typeface="Menlo" charset="0"/>
+              </a:rPr>
+              <a:t>": {},</a:t>
+            </a:r>
+          </a:p>
+          <a:p>
+            <a:r>
+              <a:rPr lang="en-US" dirty="0" smtClean="0">
+                <a:latin typeface="Menlo" charset="0"/>
+              </a:rPr>
+              <a:t>    "</a:t>
+            </a:r>
+            <a:r>
+              <a:rPr lang="en-US" dirty="0" err="1">
+                <a:latin typeface="Menlo" charset="0"/>
+              </a:rPr>
+              <a:t>st:Switch.off</a:t>
+            </a:r>
+            <a:r>
+              <a:rPr lang="en-US" dirty="0">
+                <a:latin typeface="Menlo" charset="0"/>
+              </a:rPr>
+              <a:t>": {}</a:t>
+            </a:r>
+          </a:p>
+          <a:p>
+            <a:r>
+              <a:rPr lang="en-US" dirty="0" smtClean="0">
+                <a:latin typeface="Menlo" charset="0"/>
+              </a:rPr>
+              <a:t>  },</a:t>
+            </a:r>
+            <a:endParaRPr lang="en-US" dirty="0">
+              <a:latin typeface="Menlo" charset="0"/>
+            </a:endParaRPr>
+          </a:p>
+          <a:p>
+            <a:r>
+              <a:rPr lang="en-US" dirty="0" smtClean="0">
+                <a:latin typeface="Menlo" charset="0"/>
+              </a:rPr>
+              <a:t>  "</a:t>
+            </a:r>
+            <a:r>
+              <a:rPr lang="en-US" dirty="0">
+                <a:latin typeface="Menlo" charset="0"/>
+              </a:rPr>
+              <a:t>event": {},</a:t>
+            </a:r>
+          </a:p>
+          <a:p>
+            <a:r>
+              <a:rPr lang="en-US" dirty="0" smtClean="0">
+                <a:latin typeface="Menlo" charset="0"/>
+              </a:rPr>
+              <a:t>  "</a:t>
+            </a:r>
+            <a:r>
+              <a:rPr lang="en-US" dirty="0">
+                <a:latin typeface="Menlo" charset="0"/>
+              </a:rPr>
+              <a:t>data": </a:t>
+            </a:r>
+            <a:r>
+              <a:rPr lang="en-US" dirty="0" smtClean="0">
+                <a:latin typeface="Menlo" charset="0"/>
+              </a:rPr>
+              <a:t>{}</a:t>
+            </a:r>
+          </a:p>
+          <a:p>
+            <a:r>
+              <a:rPr lang="en-US" b="0" dirty="0">
+                <a:effectLst/>
+                <a:latin typeface="Menlo" charset="0"/>
+              </a:rPr>
+              <a:t>}</a:t>
+            </a:r>
+          </a:p>
+        </p:txBody>
+      </p:sp>
+    </p:spTree>
+    <p:extLst>
+      <p:ext uri="{BB962C8B-B14F-4D97-AF65-F5344CB8AC3E}">
+        <p14:creationId xmlns:p14="http://schemas.microsoft.com/office/powerpoint/2010/main" val="1167668638"/>
+      </p:ext>
+    </p:extLst>
+  </p:cSld>
+  <p:clrMapOvr>
+    <a:masterClrMapping/>
+  </p:clrMapOvr>
+</p:sld>
+</file>
+
+<file path=ppt/slides/slide12.xml><?xml version="1.0" encoding="utf-8"?>
+<p:sld xmlns:a="http://schemas.openxmlformats.org/drawingml/2006/main" xmlns:r="http://schemas.openxmlformats.org/officeDocument/2006/relationships" xmlns:p="http://schemas.openxmlformats.org/presentationml/2006/main">
+  <p:cSld>
+    <p:spTree>
+      <p:nvGrpSpPr>
+        <p:cNvPr id="1" name=""/>
+        <p:cNvGrpSpPr/>
+        <p:nvPr/>
+      </p:nvGrpSpPr>
+      <p:grpSpPr>
+        <a:xfrm>
+          <a:off x="0" y="0"/>
+          <a:ext cx="0" cy="0"/>
+          <a:chOff x="0" y="0"/>
+          <a:chExt cx="0" cy="0"/>
+        </a:xfrm>
+      </p:grpSpPr>
+      <p:sp>
+        <p:nvSpPr>
+          <p:cNvPr id="2" name="Title 1"/>
+          <p:cNvSpPr>
+            <a:spLocks noGrp="1"/>
+          </p:cNvSpPr>
+          <p:nvPr>
+            <p:ph type="title"/>
+          </p:nvPr>
+        </p:nvSpPr>
+        <p:spPr/>
+        <p:txBody>
+          <a:bodyPr/>
+          <a:lstStyle/>
+          <a:p>
+            <a:r>
+              <a:rPr lang="en-US" dirty="0" smtClean="0"/>
+              <a:t>Alternate Syntax #3 </a:t>
+            </a:r>
+            <a:endParaRPr lang="en-US" dirty="0"/>
+          </a:p>
+        </p:txBody>
+      </p:sp>
+      <p:sp>
+        <p:nvSpPr>
+          <p:cNvPr id="3" name="Rectangle 2"/>
+          <p:cNvSpPr/>
+          <p:nvPr/>
+        </p:nvSpPr>
+        <p:spPr>
+          <a:xfrm>
+            <a:off x="1154876" y="1425338"/>
+            <a:ext cx="6762997" cy="5078313"/>
+          </a:xfrm>
+          <a:prstGeom prst="rect">
+            <a:avLst/>
+          </a:prstGeom>
+        </p:spPr>
+        <p:txBody>
+          <a:bodyPr wrap="square">
+            <a:spAutoFit/>
+          </a:bodyPr>
+          <a:lstStyle/>
+          <a:p>
+            <a:r>
+              <a:rPr lang="en-US" dirty="0">
+                <a:latin typeface="Menlo" charset="0"/>
+              </a:rPr>
+              <a:t>{</a:t>
+            </a:r>
+          </a:p>
+          <a:p>
+            <a:r>
+              <a:rPr lang="en-US" dirty="0" smtClean="0">
+                <a:latin typeface="Menlo" charset="0"/>
+              </a:rPr>
+              <a:t>  "</a:t>
+            </a:r>
+            <a:r>
+              <a:rPr lang="en-US" dirty="0">
+                <a:latin typeface="Menlo" charset="0"/>
+              </a:rPr>
+              <a:t>object": {</a:t>
+            </a:r>
+          </a:p>
+          <a:p>
+            <a:r>
+              <a:rPr lang="en-US" dirty="0" smtClean="0">
+                <a:latin typeface="Menlo" charset="0"/>
+              </a:rPr>
+              <a:t>    "</a:t>
+            </a:r>
+            <a:r>
+              <a:rPr lang="en-US" dirty="0">
+                <a:latin typeface="Menlo" charset="0"/>
+              </a:rPr>
+              <a:t>name": "</a:t>
+            </a:r>
+            <a:r>
+              <a:rPr lang="en-US" dirty="0" err="1">
+                <a:latin typeface="Menlo" charset="0"/>
+              </a:rPr>
+              <a:t>st:Switch</a:t>
+            </a:r>
+            <a:r>
+              <a:rPr lang="en-US" dirty="0">
+                <a:latin typeface="Menlo" charset="0"/>
+              </a:rPr>
+              <a:t>"</a:t>
+            </a:r>
+          </a:p>
+          <a:p>
+            <a:r>
+              <a:rPr lang="en-US" dirty="0" smtClean="0">
+                <a:latin typeface="Menlo" charset="0"/>
+              </a:rPr>
+              <a:t>  },</a:t>
+            </a:r>
+            <a:endParaRPr lang="en-US" dirty="0">
+              <a:latin typeface="Menlo" charset="0"/>
+            </a:endParaRPr>
+          </a:p>
+          <a:p>
+            <a:r>
+              <a:rPr lang="en-US" dirty="0" smtClean="0">
+                <a:latin typeface="Menlo" charset="0"/>
+              </a:rPr>
+              <a:t>  "</a:t>
+            </a:r>
+            <a:r>
+              <a:rPr lang="en-US" dirty="0">
+                <a:latin typeface="Menlo" charset="0"/>
+              </a:rPr>
+              <a:t>property": [</a:t>
+            </a:r>
+          </a:p>
+          <a:p>
+            <a:r>
+              <a:rPr lang="en-US" dirty="0" smtClean="0">
+                <a:latin typeface="Menlo" charset="0"/>
+              </a:rPr>
+              <a:t>    {</a:t>
+            </a:r>
+            <a:endParaRPr lang="en-US" dirty="0">
+              <a:latin typeface="Menlo" charset="0"/>
+            </a:endParaRPr>
+          </a:p>
+          <a:p>
+            <a:r>
+              <a:rPr lang="en-US" dirty="0" smtClean="0">
+                <a:latin typeface="Menlo" charset="0"/>
+              </a:rPr>
+              <a:t>      "</a:t>
+            </a:r>
+            <a:r>
+              <a:rPr lang="en-US" dirty="0">
+                <a:latin typeface="Menlo" charset="0"/>
+              </a:rPr>
+              <a:t>name": "</a:t>
+            </a:r>
+            <a:r>
+              <a:rPr lang="en-US" dirty="0" err="1">
+                <a:latin typeface="Menlo" charset="0"/>
+              </a:rPr>
+              <a:t>st:Switch.value</a:t>
+            </a:r>
+            <a:r>
+              <a:rPr lang="en-US" dirty="0">
+                <a:latin typeface="Menlo" charset="0"/>
+              </a:rPr>
+              <a:t>",</a:t>
+            </a:r>
+          </a:p>
+          <a:p>
+            <a:r>
+              <a:rPr lang="en-US" dirty="0" smtClean="0">
+                <a:latin typeface="Menlo" charset="0"/>
+              </a:rPr>
+              <a:t>      "</a:t>
+            </a:r>
+            <a:r>
+              <a:rPr lang="en-US" dirty="0" err="1" smtClean="0">
+                <a:latin typeface="Menlo" charset="0"/>
+              </a:rPr>
+              <a:t>js:type</a:t>
+            </a:r>
+            <a:r>
+              <a:rPr lang="en-US" dirty="0">
+                <a:latin typeface="Menlo" charset="0"/>
+              </a:rPr>
+              <a:t>": "string",</a:t>
+            </a:r>
+          </a:p>
+          <a:p>
+            <a:r>
+              <a:rPr lang="en-US" dirty="0" smtClean="0">
+                <a:latin typeface="Menlo" charset="0"/>
+              </a:rPr>
+              <a:t>      "</a:t>
+            </a:r>
+            <a:r>
+              <a:rPr lang="en-US" dirty="0" err="1" smtClean="0">
+                <a:latin typeface="Menlo" charset="0"/>
+              </a:rPr>
+              <a:t>js:enum</a:t>
+            </a:r>
+            <a:r>
+              <a:rPr lang="en-US" dirty="0">
+                <a:latin typeface="Menlo" charset="0"/>
+              </a:rPr>
+              <a:t>": ["on", "off"]</a:t>
+            </a:r>
+          </a:p>
+          <a:p>
+            <a:r>
+              <a:rPr lang="en-US" dirty="0" smtClean="0">
+                <a:latin typeface="Menlo" charset="0"/>
+              </a:rPr>
+              <a:t>    }</a:t>
+            </a:r>
+            <a:endParaRPr lang="en-US" dirty="0">
+              <a:latin typeface="Menlo" charset="0"/>
+            </a:endParaRPr>
+          </a:p>
+          <a:p>
+            <a:r>
+              <a:rPr lang="en-US" dirty="0" smtClean="0">
+                <a:latin typeface="Menlo" charset="0"/>
+              </a:rPr>
+              <a:t>  ],</a:t>
+            </a:r>
+            <a:endParaRPr lang="en-US" dirty="0">
+              <a:latin typeface="Menlo" charset="0"/>
+            </a:endParaRPr>
+          </a:p>
+          <a:p>
+            <a:r>
+              <a:rPr lang="en-US" dirty="0" smtClean="0">
+                <a:latin typeface="Menlo" charset="0"/>
+              </a:rPr>
+              <a:t>  "</a:t>
+            </a:r>
+            <a:r>
+              <a:rPr lang="en-US" dirty="0">
+                <a:latin typeface="Menlo" charset="0"/>
+              </a:rPr>
+              <a:t>action": [</a:t>
+            </a:r>
+          </a:p>
+          <a:p>
+            <a:r>
+              <a:rPr lang="en-US" dirty="0" smtClean="0">
+                <a:latin typeface="Menlo" charset="0"/>
+              </a:rPr>
+              <a:t>    { </a:t>
+            </a:r>
+            <a:r>
+              <a:rPr lang="en-US" dirty="0">
+                <a:latin typeface="Menlo" charset="0"/>
+              </a:rPr>
+              <a:t>"name": "</a:t>
+            </a:r>
+            <a:r>
+              <a:rPr lang="en-US" dirty="0" err="1">
+                <a:latin typeface="Menlo" charset="0"/>
+              </a:rPr>
+              <a:t>st:Switch.on</a:t>
+            </a:r>
+            <a:r>
+              <a:rPr lang="en-US" dirty="0">
+                <a:latin typeface="Menlo" charset="0"/>
+              </a:rPr>
+              <a:t>" },</a:t>
+            </a:r>
+          </a:p>
+          <a:p>
+            <a:r>
+              <a:rPr lang="en-US" dirty="0" smtClean="0">
+                <a:latin typeface="Menlo" charset="0"/>
+              </a:rPr>
+              <a:t>    { </a:t>
+            </a:r>
+            <a:r>
+              <a:rPr lang="en-US" dirty="0">
+                <a:latin typeface="Menlo" charset="0"/>
+              </a:rPr>
+              <a:t>"name": "</a:t>
+            </a:r>
+            <a:r>
+              <a:rPr lang="en-US" dirty="0" err="1">
+                <a:latin typeface="Menlo" charset="0"/>
+              </a:rPr>
+              <a:t>st:Switch.off</a:t>
+            </a:r>
+            <a:r>
+              <a:rPr lang="en-US" dirty="0">
+                <a:latin typeface="Menlo" charset="0"/>
+              </a:rPr>
+              <a:t>" }</a:t>
+            </a:r>
+          </a:p>
+          <a:p>
+            <a:r>
+              <a:rPr lang="en-US" dirty="0" smtClean="0">
+                <a:latin typeface="Menlo" charset="0"/>
+              </a:rPr>
+              <a:t>  ],</a:t>
+            </a:r>
+            <a:endParaRPr lang="en-US" dirty="0">
+              <a:latin typeface="Menlo" charset="0"/>
+            </a:endParaRPr>
+          </a:p>
+          <a:p>
+            <a:r>
+              <a:rPr lang="en-US" dirty="0" smtClean="0">
+                <a:latin typeface="Menlo" charset="0"/>
+              </a:rPr>
+              <a:t>  "</a:t>
+            </a:r>
+            <a:r>
+              <a:rPr lang="en-US" dirty="0">
+                <a:latin typeface="Menlo" charset="0"/>
+              </a:rPr>
+              <a:t>event": [],</a:t>
+            </a:r>
+          </a:p>
+          <a:p>
+            <a:r>
+              <a:rPr lang="en-US" dirty="0" smtClean="0">
+                <a:latin typeface="Menlo" charset="0"/>
+              </a:rPr>
+              <a:t>  "</a:t>
+            </a:r>
+            <a:r>
+              <a:rPr lang="en-US" dirty="0">
+                <a:latin typeface="Menlo" charset="0"/>
+              </a:rPr>
+              <a:t>data": []</a:t>
+            </a:r>
+          </a:p>
+          <a:p>
+            <a:r>
+              <a:rPr lang="en-US" dirty="0" smtClean="0">
+                <a:latin typeface="Menlo" charset="0"/>
+              </a:rPr>
+              <a:t>}</a:t>
+            </a:r>
+            <a:endParaRPr lang="en-US" dirty="0">
+              <a:latin typeface="Menlo" charset="0"/>
+            </a:endParaRPr>
+          </a:p>
+        </p:txBody>
+      </p:sp>
+    </p:spTree>
+    <p:extLst>
+      <p:ext uri="{BB962C8B-B14F-4D97-AF65-F5344CB8AC3E}">
+        <p14:creationId xmlns:p14="http://schemas.microsoft.com/office/powerpoint/2010/main" val="1034462942"/>
+      </p:ext>
+    </p:extLst>
+  </p:cSld>
+  <p:clrMapOvr>
+    <a:masterClrMapping/>
+  </p:clrMapOvr>
+</p:sld>
+</file>
+
 <file path=ppt/slides/slide2.xml><?xml version="1.0" encoding="utf-8"?>
 <p:sld xmlns:a="http://schemas.openxmlformats.org/drawingml/2006/main" xmlns:r="http://schemas.openxmlformats.org/officeDocument/2006/relationships" xmlns:p="http://schemas.openxmlformats.org/presentationml/2006/main">
   <p:cSld>
@@ -4760,13 +5551,22 @@
           </a:p>
           <a:p>
             <a:r>
-              <a:rPr lang="en-US" sz="1600" b="0" dirty="0" smtClean="0">
-                <a:effectLst/>
-                <a:latin typeface="Courier" charset="0"/>
-                <a:ea typeface="Courier" charset="0"/>
-                <a:cs typeface="Courier" charset="0"/>
-              </a:rPr>
-              <a:t>   "</a:t>
+              <a:rPr lang="en-US" sz="1600" b="0" smtClean="0">
+                <a:effectLst/>
+                <a:latin typeface="Courier" charset="0"/>
+                <a:ea typeface="Courier" charset="0"/>
+                <a:cs typeface="Courier" charset="0"/>
+              </a:rPr>
+              <a:t>   </a:t>
+            </a:r>
+            <a:r>
+              <a:rPr lang="en-US" sz="1600" b="0" smtClean="0">
+                <a:effectLst/>
+                <a:latin typeface="Courier" charset="0"/>
+                <a:ea typeface="Courier" charset="0"/>
+                <a:cs typeface="Courier" charset="0"/>
+              </a:rPr>
+              <a:t> "</a:t>
             </a:r>
             <a:r>
               <a:rPr lang="en-US" sz="1600" b="0" dirty="0" err="1" smtClean="0">

--- a/ODM-SDF.pptx
+++ b/ODM-SDF.pptx
@@ -16,7 +16,8 @@
     <p:sldId id="265" r:id="rId10"/>
     <p:sldId id="266" r:id="rId11"/>
     <p:sldId id="267" r:id="rId12"/>
-    <p:sldId id="268" r:id="rId13"/>
+    <p:sldId id="269" r:id="rId13"/>
+    <p:sldId id="268" r:id="rId14"/>
   </p:sldIdLst>
   <p:sldSz cx="9144000" cy="6858000" type="letter"/>
   <p:notesSz cx="6858000" cy="9144000"/>
@@ -254,7 +255,7 @@
           <a:p>
             <a:fld id="{FAD9FDEC-58D2-A243-A58A-A2FAAE8B11EB}" type="datetimeFigureOut">
               <a:rPr lang="en-US" smtClean="0"/>
-              <a:t>4/9/19</a:t>
+              <a:t>4/10/19</a:t>
             </a:fld>
             <a:endParaRPr lang="en-US"/>
           </a:p>
@@ -419,7 +420,7 @@
           <a:p>
             <a:fld id="{FAD9FDEC-58D2-A243-A58A-A2FAAE8B11EB}" type="datetimeFigureOut">
               <a:rPr lang="en-US" smtClean="0"/>
-              <a:t>4/9/19</a:t>
+              <a:t>4/10/19</a:t>
             </a:fld>
             <a:endParaRPr lang="en-US"/>
           </a:p>
@@ -594,7 +595,7 @@
           <a:p>
             <a:fld id="{FAD9FDEC-58D2-A243-A58A-A2FAAE8B11EB}" type="datetimeFigureOut">
               <a:rPr lang="en-US" smtClean="0"/>
-              <a:t>4/9/19</a:t>
+              <a:t>4/10/19</a:t>
             </a:fld>
             <a:endParaRPr lang="en-US"/>
           </a:p>
@@ -759,7 +760,7 @@
           <a:p>
             <a:fld id="{FAD9FDEC-58D2-A243-A58A-A2FAAE8B11EB}" type="datetimeFigureOut">
               <a:rPr lang="en-US" smtClean="0"/>
-              <a:t>4/9/19</a:t>
+              <a:t>4/10/19</a:t>
             </a:fld>
             <a:endParaRPr lang="en-US"/>
           </a:p>
@@ -998,7 +999,7 @@
           <a:p>
             <a:fld id="{FAD9FDEC-58D2-A243-A58A-A2FAAE8B11EB}" type="datetimeFigureOut">
               <a:rPr lang="en-US" smtClean="0"/>
-              <a:t>4/9/19</a:t>
+              <a:t>4/10/19</a:t>
             </a:fld>
             <a:endParaRPr lang="en-US"/>
           </a:p>
@@ -1225,7 +1226,7 @@
           <a:p>
             <a:fld id="{FAD9FDEC-58D2-A243-A58A-A2FAAE8B11EB}" type="datetimeFigureOut">
               <a:rPr lang="en-US" smtClean="0"/>
-              <a:t>4/9/19</a:t>
+              <a:t>4/10/19</a:t>
             </a:fld>
             <a:endParaRPr lang="en-US"/>
           </a:p>
@@ -1587,7 +1588,7 @@
           <a:p>
             <a:fld id="{FAD9FDEC-58D2-A243-A58A-A2FAAE8B11EB}" type="datetimeFigureOut">
               <a:rPr lang="en-US" smtClean="0"/>
-              <a:t>4/9/19</a:t>
+              <a:t>4/10/19</a:t>
             </a:fld>
             <a:endParaRPr lang="en-US"/>
           </a:p>
@@ -1700,7 +1701,7 @@
           <a:p>
             <a:fld id="{FAD9FDEC-58D2-A243-A58A-A2FAAE8B11EB}" type="datetimeFigureOut">
               <a:rPr lang="en-US" smtClean="0"/>
-              <a:t>4/9/19</a:t>
+              <a:t>4/10/19</a:t>
             </a:fld>
             <a:endParaRPr lang="en-US"/>
           </a:p>
@@ -1790,7 +1791,7 @@
           <a:p>
             <a:fld id="{FAD9FDEC-58D2-A243-A58A-A2FAAE8B11EB}" type="datetimeFigureOut">
               <a:rPr lang="en-US" smtClean="0"/>
-              <a:t>4/9/19</a:t>
+              <a:t>4/10/19</a:t>
             </a:fld>
             <a:endParaRPr lang="en-US"/>
           </a:p>
@@ -2062,7 +2063,7 @@
           <a:p>
             <a:fld id="{FAD9FDEC-58D2-A243-A58A-A2FAAE8B11EB}" type="datetimeFigureOut">
               <a:rPr lang="en-US" smtClean="0"/>
-              <a:t>4/9/19</a:t>
+              <a:t>4/10/19</a:t>
             </a:fld>
             <a:endParaRPr lang="en-US"/>
           </a:p>
@@ -2314,7 +2315,7 @@
           <a:p>
             <a:fld id="{FAD9FDEC-58D2-A243-A58A-A2FAAE8B11EB}" type="datetimeFigureOut">
               <a:rPr lang="en-US" smtClean="0"/>
-              <a:t>4/9/19</a:t>
+              <a:t>4/10/19</a:t>
             </a:fld>
             <a:endParaRPr lang="en-US"/>
           </a:p>
@@ -2522,7 +2523,7 @@
           <a:p>
             <a:fld id="{FAD9FDEC-58D2-A243-A58A-A2FAAE8B11EB}" type="datetimeFigureOut">
               <a:rPr lang="en-US" smtClean="0"/>
-              <a:t>4/9/19</a:t>
+              <a:t>4/10/19</a:t>
             </a:fld>
             <a:endParaRPr lang="en-US"/>
           </a:p>
@@ -3449,6 +3450,604 @@
             <p:ph type="title"/>
           </p:nvPr>
         </p:nvSpPr>
+        <p:spPr>
+          <a:xfrm>
+            <a:off x="1341169" y="-261257"/>
+            <a:ext cx="7886700" cy="1325563"/>
+          </a:xfrm>
+        </p:spPr>
+        <p:txBody>
+          <a:bodyPr/>
+          <a:lstStyle/>
+          <a:p>
+            <a:r>
+              <a:rPr lang="en-US" dirty="0" smtClean="0"/>
+              <a:t>With </a:t>
+            </a:r>
+            <a:r>
+              <a:rPr lang="en-US" smtClean="0"/>
+              <a:t>One Target Namespace</a:t>
+            </a:r>
+            <a:endParaRPr lang="en-US" dirty="0"/>
+          </a:p>
+        </p:txBody>
+      </p:sp>
+      <p:sp>
+        <p:nvSpPr>
+          <p:cNvPr id="4" name="Rectangle 3"/>
+          <p:cNvSpPr/>
+          <p:nvPr/>
+        </p:nvSpPr>
+        <p:spPr>
+          <a:xfrm>
+            <a:off x="311725" y="639030"/>
+            <a:ext cx="8832275" cy="6001643"/>
+          </a:xfrm>
+          <a:prstGeom prst="rect">
+            <a:avLst/>
+          </a:prstGeom>
+        </p:spPr>
+        <p:txBody>
+          <a:bodyPr wrap="square">
+            <a:spAutoFit/>
+          </a:bodyPr>
+          <a:lstStyle/>
+          <a:p>
+            <a:r>
+              <a:rPr lang="en-US" sz="1600" dirty="0">
+                <a:latin typeface="Courier" charset="0"/>
+                <a:ea typeface="Courier" charset="0"/>
+                <a:cs typeface="Courier" charset="0"/>
+              </a:rPr>
+              <a:t>{</a:t>
+            </a:r>
+          </a:p>
+          <a:p>
+            <a:r>
+              <a:rPr lang="en-US" sz="1600" dirty="0" smtClean="0">
+                <a:latin typeface="Courier" charset="0"/>
+                <a:ea typeface="Courier" charset="0"/>
+                <a:cs typeface="Courier" charset="0"/>
+              </a:rPr>
+              <a:t>  "</a:t>
+            </a:r>
+            <a:r>
+              <a:rPr lang="en-US" sz="1600" dirty="0">
+                <a:latin typeface="Courier" charset="0"/>
+                <a:ea typeface="Courier" charset="0"/>
+                <a:cs typeface="Courier" charset="0"/>
+              </a:rPr>
+              <a:t>info": {</a:t>
+            </a:r>
+          </a:p>
+          <a:p>
+            <a:r>
+              <a:rPr lang="en-US" sz="1600" dirty="0" smtClean="0">
+                <a:latin typeface="Courier" charset="0"/>
+                <a:ea typeface="Courier" charset="0"/>
+                <a:cs typeface="Courier" charset="0"/>
+              </a:rPr>
+              <a:t>    "</a:t>
+            </a:r>
+            <a:r>
+              <a:rPr lang="en-US" sz="1600" dirty="0">
+                <a:latin typeface="Courier" charset="0"/>
+                <a:ea typeface="Courier" charset="0"/>
+                <a:cs typeface="Courier" charset="0"/>
+              </a:rPr>
+              <a:t>title": "Example file for ODM Simple JSON Definition Format",</a:t>
+            </a:r>
+          </a:p>
+          <a:p>
+            <a:r>
+              <a:rPr lang="en-US" sz="1600" dirty="0" smtClean="0">
+                <a:latin typeface="Courier" charset="0"/>
+                <a:ea typeface="Courier" charset="0"/>
+                <a:cs typeface="Courier" charset="0"/>
+              </a:rPr>
+              <a:t>    "</a:t>
+            </a:r>
+            <a:r>
+              <a:rPr lang="en-US" sz="1600" dirty="0">
+                <a:latin typeface="Courier" charset="0"/>
+                <a:ea typeface="Courier" charset="0"/>
+                <a:cs typeface="Courier" charset="0"/>
+              </a:rPr>
+              <a:t>version": "20190404",</a:t>
+            </a:r>
+          </a:p>
+          <a:p>
+            <a:r>
+              <a:rPr lang="en-US" sz="1600" dirty="0" smtClean="0">
+                <a:latin typeface="Courier" charset="0"/>
+                <a:ea typeface="Courier" charset="0"/>
+                <a:cs typeface="Courier" charset="0"/>
+              </a:rPr>
+              <a:t>    "</a:t>
+            </a:r>
+            <a:r>
+              <a:rPr lang="en-US" sz="1600" dirty="0">
+                <a:latin typeface="Courier" charset="0"/>
+                <a:ea typeface="Courier" charset="0"/>
+                <a:cs typeface="Courier" charset="0"/>
+              </a:rPr>
+              <a:t>copyright": "Copyright 2019 Example </a:t>
+            </a:r>
+            <a:r>
+              <a:rPr lang="en-US" sz="1600" dirty="0" smtClean="0">
+                <a:latin typeface="Courier" charset="0"/>
+                <a:ea typeface="Courier" charset="0"/>
+                <a:cs typeface="Courier" charset="0"/>
+              </a:rPr>
+              <a:t>Corp. </a:t>
+            </a:r>
+            <a:r>
+              <a:rPr lang="en-US" sz="1600" dirty="0">
+                <a:latin typeface="Courier" charset="0"/>
+                <a:ea typeface="Courier" charset="0"/>
+                <a:cs typeface="Courier" charset="0"/>
+              </a:rPr>
+              <a:t>All </a:t>
+            </a:r>
+            <a:r>
+              <a:rPr lang="en-US" sz="1600" dirty="0" smtClean="0">
+                <a:latin typeface="Courier" charset="0"/>
+                <a:ea typeface="Courier" charset="0"/>
+                <a:cs typeface="Courier" charset="0"/>
+              </a:rPr>
+              <a:t>rights reserved</a:t>
+            </a:r>
+            <a:r>
+              <a:rPr lang="en-US" sz="1600" dirty="0">
+                <a:latin typeface="Courier" charset="0"/>
+                <a:ea typeface="Courier" charset="0"/>
+                <a:cs typeface="Courier" charset="0"/>
+              </a:rPr>
+              <a:t>.",</a:t>
+            </a:r>
+          </a:p>
+          <a:p>
+            <a:r>
+              <a:rPr lang="en-US" sz="1600" dirty="0" smtClean="0">
+                <a:latin typeface="Courier" charset="0"/>
+                <a:ea typeface="Courier" charset="0"/>
+                <a:cs typeface="Courier" charset="0"/>
+              </a:rPr>
+              <a:t>    "</a:t>
+            </a:r>
+            <a:r>
+              <a:rPr lang="en-US" sz="1600" dirty="0">
+                <a:latin typeface="Courier" charset="0"/>
+                <a:ea typeface="Courier" charset="0"/>
+                <a:cs typeface="Courier" charset="0"/>
+              </a:rPr>
+              <a:t>license": "http://</a:t>
+            </a:r>
+            <a:r>
+              <a:rPr lang="en-US" sz="1600" dirty="0" err="1">
+                <a:latin typeface="Courier" charset="0"/>
+                <a:ea typeface="Courier" charset="0"/>
+                <a:cs typeface="Courier" charset="0"/>
+              </a:rPr>
+              <a:t>example.com</a:t>
+            </a:r>
+            <a:r>
+              <a:rPr lang="en-US" sz="1600" dirty="0">
+                <a:latin typeface="Courier" charset="0"/>
+                <a:ea typeface="Courier" charset="0"/>
+                <a:cs typeface="Courier" charset="0"/>
+              </a:rPr>
+              <a:t>/license"</a:t>
+            </a:r>
+          </a:p>
+          <a:p>
+            <a:r>
+              <a:rPr lang="en-US" sz="1600" dirty="0" smtClean="0">
+                <a:latin typeface="Courier" charset="0"/>
+                <a:ea typeface="Courier" charset="0"/>
+                <a:cs typeface="Courier" charset="0"/>
+              </a:rPr>
+              <a:t>  },</a:t>
+            </a:r>
+            <a:endParaRPr lang="en-US" sz="1600" dirty="0">
+              <a:latin typeface="Courier" charset="0"/>
+              <a:ea typeface="Courier" charset="0"/>
+              <a:cs typeface="Courier" charset="0"/>
+            </a:endParaRPr>
+          </a:p>
+          <a:p>
+            <a:r>
+              <a:rPr lang="en-US" sz="1600" dirty="0" smtClean="0">
+                <a:latin typeface="Courier" charset="0"/>
+                <a:ea typeface="Courier" charset="0"/>
+                <a:cs typeface="Courier" charset="0"/>
+              </a:rPr>
+              <a:t>  "</a:t>
+            </a:r>
+            <a:r>
+              <a:rPr lang="en-US" sz="1600" dirty="0">
+                <a:latin typeface="Courier" charset="0"/>
+                <a:ea typeface="Courier" charset="0"/>
+                <a:cs typeface="Courier" charset="0"/>
+              </a:rPr>
+              <a:t>namespace": {</a:t>
+            </a:r>
+          </a:p>
+          <a:p>
+            <a:r>
+              <a:rPr lang="en-US" sz="1600" dirty="0" smtClean="0">
+                <a:latin typeface="Courier" charset="0"/>
+                <a:ea typeface="Courier" charset="0"/>
+                <a:cs typeface="Courier" charset="0"/>
+              </a:rPr>
+              <a:t>    "</a:t>
+            </a:r>
+            <a:r>
+              <a:rPr lang="en-US" sz="1600" dirty="0" err="1">
+                <a:latin typeface="Courier" charset="0"/>
+                <a:ea typeface="Courier" charset="0"/>
+                <a:cs typeface="Courier" charset="0"/>
+              </a:rPr>
+              <a:t>st</a:t>
+            </a:r>
+            <a:r>
+              <a:rPr lang="en-US" sz="1600" dirty="0">
+                <a:latin typeface="Courier" charset="0"/>
+                <a:ea typeface="Courier" charset="0"/>
+                <a:cs typeface="Courier" charset="0"/>
+              </a:rPr>
+              <a:t>": "http://</a:t>
+            </a:r>
+            <a:r>
+              <a:rPr lang="en-US" sz="1600" dirty="0" err="1">
+                <a:latin typeface="Courier" charset="0"/>
+                <a:ea typeface="Courier" charset="0"/>
+                <a:cs typeface="Courier" charset="0"/>
+              </a:rPr>
+              <a:t>smartthings.example.com</a:t>
+            </a:r>
+            <a:r>
+              <a:rPr lang="en-US" sz="1600" dirty="0">
+                <a:latin typeface="Courier" charset="0"/>
+                <a:ea typeface="Courier" charset="0"/>
+                <a:cs typeface="Courier" charset="0"/>
+              </a:rPr>
+              <a:t>/capability/</a:t>
+            </a:r>
+            <a:r>
+              <a:rPr lang="en-US" sz="1600" dirty="0" err="1">
+                <a:latin typeface="Courier" charset="0"/>
+                <a:ea typeface="Courier" charset="0"/>
+                <a:cs typeface="Courier" charset="0"/>
+              </a:rPr>
+              <a:t>odm</a:t>
+            </a:r>
+            <a:r>
+              <a:rPr lang="en-US" sz="1600" dirty="0">
+                <a:latin typeface="Courier" charset="0"/>
+                <a:ea typeface="Courier" charset="0"/>
+                <a:cs typeface="Courier" charset="0"/>
+              </a:rPr>
+              <a:t>"</a:t>
+            </a:r>
+          </a:p>
+          <a:p>
+            <a:r>
+              <a:rPr lang="en-US" sz="1600" dirty="0" smtClean="0">
+                <a:latin typeface="Courier" charset="0"/>
+                <a:ea typeface="Courier" charset="0"/>
+                <a:cs typeface="Courier" charset="0"/>
+              </a:rPr>
+              <a:t>  },</a:t>
+            </a:r>
+            <a:endParaRPr lang="en-US" sz="1600" dirty="0">
+              <a:latin typeface="Courier" charset="0"/>
+              <a:ea typeface="Courier" charset="0"/>
+              <a:cs typeface="Courier" charset="0"/>
+            </a:endParaRPr>
+          </a:p>
+          <a:p>
+            <a:r>
+              <a:rPr lang="en-US" sz="1600" dirty="0" smtClean="0">
+                <a:latin typeface="Courier" charset="0"/>
+                <a:ea typeface="Courier" charset="0"/>
+                <a:cs typeface="Courier" charset="0"/>
+              </a:rPr>
+              <a:t>  "</a:t>
+            </a:r>
+            <a:r>
+              <a:rPr lang="en-US" sz="1600" dirty="0">
+                <a:latin typeface="Courier" charset="0"/>
+                <a:ea typeface="Courier" charset="0"/>
+                <a:cs typeface="Courier" charset="0"/>
+              </a:rPr>
+              <a:t>object": {</a:t>
+            </a:r>
+          </a:p>
+          <a:p>
+            <a:r>
+              <a:rPr lang="en-US" sz="1600" dirty="0" smtClean="0">
+                <a:latin typeface="Courier" charset="0"/>
+                <a:ea typeface="Courier" charset="0"/>
+                <a:cs typeface="Courier" charset="0"/>
+              </a:rPr>
+              <a:t>    "</a:t>
+            </a:r>
+            <a:r>
+              <a:rPr lang="en-US" sz="1600" dirty="0">
+                <a:latin typeface="Courier" charset="0"/>
+                <a:ea typeface="Courier" charset="0"/>
+                <a:cs typeface="Courier" charset="0"/>
+              </a:rPr>
+              <a:t>Switch": {}</a:t>
+            </a:r>
+          </a:p>
+          <a:p>
+            <a:r>
+              <a:rPr lang="en-US" sz="1600" dirty="0" smtClean="0">
+                <a:latin typeface="Courier" charset="0"/>
+                <a:ea typeface="Courier" charset="0"/>
+                <a:cs typeface="Courier" charset="0"/>
+              </a:rPr>
+              <a:t>  },</a:t>
+            </a:r>
+            <a:endParaRPr lang="en-US" sz="1600" dirty="0">
+              <a:latin typeface="Courier" charset="0"/>
+              <a:ea typeface="Courier" charset="0"/>
+              <a:cs typeface="Courier" charset="0"/>
+            </a:endParaRPr>
+          </a:p>
+          <a:p>
+            <a:r>
+              <a:rPr lang="en-US" sz="1600" dirty="0" smtClean="0">
+                <a:latin typeface="Courier" charset="0"/>
+                <a:ea typeface="Courier" charset="0"/>
+                <a:cs typeface="Courier" charset="0"/>
+              </a:rPr>
+              <a:t>  "</a:t>
+            </a:r>
+            <a:r>
+              <a:rPr lang="en-US" sz="1600" dirty="0">
+                <a:latin typeface="Courier" charset="0"/>
+                <a:ea typeface="Courier" charset="0"/>
+                <a:cs typeface="Courier" charset="0"/>
+              </a:rPr>
+              <a:t>property": {</a:t>
+            </a:r>
+          </a:p>
+          <a:p>
+            <a:r>
+              <a:rPr lang="en-US" sz="1600" dirty="0" smtClean="0">
+                <a:latin typeface="Courier" charset="0"/>
+                <a:ea typeface="Courier" charset="0"/>
+                <a:cs typeface="Courier" charset="0"/>
+              </a:rPr>
+              <a:t>    "</a:t>
+            </a:r>
+            <a:r>
+              <a:rPr lang="en-US" sz="1600" dirty="0" err="1">
+                <a:latin typeface="Courier" charset="0"/>
+                <a:ea typeface="Courier" charset="0"/>
+                <a:cs typeface="Courier" charset="0"/>
+              </a:rPr>
+              <a:t>Switch.value</a:t>
+            </a:r>
+            <a:r>
+              <a:rPr lang="en-US" sz="1600" dirty="0">
+                <a:latin typeface="Courier" charset="0"/>
+                <a:ea typeface="Courier" charset="0"/>
+                <a:cs typeface="Courier" charset="0"/>
+              </a:rPr>
+              <a:t>": {</a:t>
+            </a:r>
+          </a:p>
+          <a:p>
+            <a:r>
+              <a:rPr lang="en-US" sz="1600" dirty="0" smtClean="0">
+                <a:latin typeface="Courier" charset="0"/>
+                <a:ea typeface="Courier" charset="0"/>
+                <a:cs typeface="Courier" charset="0"/>
+              </a:rPr>
+              <a:t>      "</a:t>
+            </a:r>
+            <a:r>
+              <a:rPr lang="en-US" sz="1600" dirty="0">
+                <a:latin typeface="Courier" charset="0"/>
+                <a:ea typeface="Courier" charset="0"/>
+                <a:cs typeface="Courier" charset="0"/>
+              </a:rPr>
+              <a:t>type": "string",</a:t>
+            </a:r>
+          </a:p>
+          <a:p>
+            <a:r>
+              <a:rPr lang="en-US" sz="1600" dirty="0" smtClean="0">
+                <a:latin typeface="Courier" charset="0"/>
+                <a:ea typeface="Courier" charset="0"/>
+                <a:cs typeface="Courier" charset="0"/>
+              </a:rPr>
+              <a:t>      "</a:t>
+            </a:r>
+            <a:r>
+              <a:rPr lang="en-US" sz="1600" dirty="0" err="1">
+                <a:latin typeface="Courier" charset="0"/>
+                <a:ea typeface="Courier" charset="0"/>
+                <a:cs typeface="Courier" charset="0"/>
+              </a:rPr>
+              <a:t>enum</a:t>
+            </a:r>
+            <a:r>
+              <a:rPr lang="en-US" sz="1600" dirty="0">
+                <a:latin typeface="Courier" charset="0"/>
+                <a:ea typeface="Courier" charset="0"/>
+                <a:cs typeface="Courier" charset="0"/>
+              </a:rPr>
+              <a:t>": ["on", "off"]</a:t>
+            </a:r>
+          </a:p>
+          <a:p>
+            <a:r>
+              <a:rPr lang="en-US" sz="1600" dirty="0" smtClean="0">
+                <a:latin typeface="Courier" charset="0"/>
+                <a:ea typeface="Courier" charset="0"/>
+                <a:cs typeface="Courier" charset="0"/>
+              </a:rPr>
+              <a:t>    }</a:t>
+            </a:r>
+            <a:endParaRPr lang="en-US" sz="1600" dirty="0">
+              <a:latin typeface="Courier" charset="0"/>
+              <a:ea typeface="Courier" charset="0"/>
+              <a:cs typeface="Courier" charset="0"/>
+            </a:endParaRPr>
+          </a:p>
+          <a:p>
+            <a:r>
+              <a:rPr lang="en-US" sz="1600" dirty="0" smtClean="0">
+                <a:latin typeface="Courier" charset="0"/>
+                <a:ea typeface="Courier" charset="0"/>
+                <a:cs typeface="Courier" charset="0"/>
+              </a:rPr>
+              <a:t>  },</a:t>
+            </a:r>
+            <a:endParaRPr lang="en-US" sz="1600" dirty="0">
+              <a:latin typeface="Courier" charset="0"/>
+              <a:ea typeface="Courier" charset="0"/>
+              <a:cs typeface="Courier" charset="0"/>
+            </a:endParaRPr>
+          </a:p>
+          <a:p>
+            <a:r>
+              <a:rPr lang="en-US" sz="1600" dirty="0" smtClean="0">
+                <a:latin typeface="Courier" charset="0"/>
+                <a:ea typeface="Courier" charset="0"/>
+                <a:cs typeface="Courier" charset="0"/>
+              </a:rPr>
+              <a:t>  "</a:t>
+            </a:r>
+            <a:r>
+              <a:rPr lang="en-US" sz="1600" dirty="0">
+                <a:latin typeface="Courier" charset="0"/>
+                <a:ea typeface="Courier" charset="0"/>
+                <a:cs typeface="Courier" charset="0"/>
+              </a:rPr>
+              <a:t>action": {</a:t>
+            </a:r>
+          </a:p>
+          <a:p>
+            <a:r>
+              <a:rPr lang="en-US" sz="1600" dirty="0" smtClean="0">
+                <a:latin typeface="Courier" charset="0"/>
+                <a:ea typeface="Courier" charset="0"/>
+                <a:cs typeface="Courier" charset="0"/>
+              </a:rPr>
+              <a:t>    "</a:t>
+            </a:r>
+            <a:r>
+              <a:rPr lang="en-US" sz="1600" dirty="0" err="1">
+                <a:latin typeface="Courier" charset="0"/>
+                <a:ea typeface="Courier" charset="0"/>
+                <a:cs typeface="Courier" charset="0"/>
+              </a:rPr>
+              <a:t>Switch.on</a:t>
+            </a:r>
+            <a:r>
+              <a:rPr lang="en-US" sz="1600" dirty="0">
+                <a:latin typeface="Courier" charset="0"/>
+                <a:ea typeface="Courier" charset="0"/>
+                <a:cs typeface="Courier" charset="0"/>
+              </a:rPr>
+              <a:t>": {},</a:t>
+            </a:r>
+          </a:p>
+          <a:p>
+            <a:r>
+              <a:rPr lang="en-US" sz="1600" dirty="0" smtClean="0">
+                <a:latin typeface="Courier" charset="0"/>
+                <a:ea typeface="Courier" charset="0"/>
+                <a:cs typeface="Courier" charset="0"/>
+              </a:rPr>
+              <a:t>    "</a:t>
+            </a:r>
+            <a:r>
+              <a:rPr lang="en-US" sz="1600" dirty="0" err="1">
+                <a:latin typeface="Courier" charset="0"/>
+                <a:ea typeface="Courier" charset="0"/>
+                <a:cs typeface="Courier" charset="0"/>
+              </a:rPr>
+              <a:t>Switch.off</a:t>
+            </a:r>
+            <a:r>
+              <a:rPr lang="en-US" sz="1600" dirty="0">
+                <a:latin typeface="Courier" charset="0"/>
+                <a:ea typeface="Courier" charset="0"/>
+                <a:cs typeface="Courier" charset="0"/>
+              </a:rPr>
+              <a:t>": {}</a:t>
+            </a:r>
+          </a:p>
+          <a:p>
+            <a:r>
+              <a:rPr lang="en-US" sz="1600" dirty="0" smtClean="0">
+                <a:latin typeface="Courier" charset="0"/>
+                <a:ea typeface="Courier" charset="0"/>
+                <a:cs typeface="Courier" charset="0"/>
+              </a:rPr>
+              <a:t>  }</a:t>
+            </a:r>
+          </a:p>
+          <a:p>
+            <a:r>
+              <a:rPr lang="en-US" sz="1600" dirty="0">
+                <a:effectLst/>
+                <a:latin typeface="Courier" charset="0"/>
+                <a:ea typeface="Courier" charset="0"/>
+                <a:cs typeface="Courier" charset="0"/>
+              </a:rPr>
+              <a:t>}</a:t>
+            </a:r>
+          </a:p>
+        </p:txBody>
+      </p:sp>
+    </p:spTree>
+    <p:extLst>
+      <p:ext uri="{BB962C8B-B14F-4D97-AF65-F5344CB8AC3E}">
+        <p14:creationId xmlns:p14="http://schemas.microsoft.com/office/powerpoint/2010/main" val="1456613610"/>
+      </p:ext>
+    </p:extLst>
+  </p:cSld>
+  <p:clrMapOvr>
+    <a:masterClrMapping/>
+  </p:clrMapOvr>
+</p:sld>
+</file>
+
+<file path=ppt/slides/slide13.xml><?xml version="1.0" encoding="utf-8"?>
+<p:sld xmlns:a="http://schemas.openxmlformats.org/drawingml/2006/main" xmlns:r="http://schemas.openxmlformats.org/officeDocument/2006/relationships" xmlns:p="http://schemas.openxmlformats.org/presentationml/2006/main">
+  <p:cSld>
+    <p:spTree>
+      <p:nvGrpSpPr>
+        <p:cNvPr id="1" name=""/>
+        <p:cNvGrpSpPr/>
+        <p:nvPr/>
+      </p:nvGrpSpPr>
+      <p:grpSpPr>
+        <a:xfrm>
+          <a:off x="0" y="0"/>
+          <a:ext cx="0" cy="0"/>
+          <a:chOff x="0" y="0"/>
+          <a:chExt cx="0" cy="0"/>
+        </a:xfrm>
+      </p:grpSpPr>
+      <p:sp>
+        <p:nvSpPr>
+          <p:cNvPr id="2" name="Title 1"/>
+          <p:cNvSpPr>
+            <a:spLocks noGrp="1"/>
+          </p:cNvSpPr>
+          <p:nvPr>
+            <p:ph type="title"/>
+          </p:nvPr>
+        </p:nvSpPr>
         <p:spPr/>
         <p:txBody>
           <a:bodyPr/>
@@ -5557,16 +6156,7 @@
                 <a:ea typeface="Courier" charset="0"/>
                 <a:cs typeface="Courier" charset="0"/>
               </a:rPr>
-              <a:t>   </a:t>
-            </a:r>
-            <a:r>
-              <a:rPr lang="en-US" sz="1600" b="0" smtClean="0">
-                <a:effectLst/>
-                <a:latin typeface="Courier" charset="0"/>
-                <a:ea typeface="Courier" charset="0"/>
-                <a:cs typeface="Courier" charset="0"/>
-              </a:rPr>
-              <a:t> "</a:t>
+              <a:t>    "</a:t>
             </a:r>
             <a:r>
               <a:rPr lang="en-US" sz="1600" b="0" dirty="0" err="1" smtClean="0">
